--- a/Summer/Day1/B_IntroToDM.pptx
+++ b/Summer/Day1/B_IntroToDM.pptx
@@ -236,7 +236,7 @@
           <a:p>
             <a:fld id="{C333ABA6-B72D-4ED4-A6E7-13A0DAE65F1A}" type="datetimeFigureOut">
               <a:rPr lang="en-US" smtClean="0"/>
-              <a:t>5/26/25</a:t>
+              <a:t>7/6/25</a:t>
             </a:fld>
             <a:endParaRPr lang="en-US"/>
           </a:p>
@@ -3323,7 +3323,7 @@
           <a:p>
             <a:fld id="{5738B90E-0779-4C36-915C-6F05FCD89456}" type="datetime1">
               <a:rPr lang="en-US" smtClean="0"/>
-              <a:t>5/26/25</a:t>
+              <a:t>7/6/25</a:t>
             </a:fld>
             <a:endParaRPr lang="en-US"/>
           </a:p>
@@ -3541,7 +3541,7 @@
           <a:p>
             <a:fld id="{7B9EA29D-D431-42FE-B7B6-AAE4454C77D3}" type="datetime1">
               <a:rPr lang="en-US" smtClean="0"/>
-              <a:t>5/26/25</a:t>
+              <a:t>7/6/25</a:t>
             </a:fld>
             <a:endParaRPr lang="en-US"/>
           </a:p>
@@ -3801,7 +3801,7 @@
           <a:p>
             <a:fld id="{690D8A1E-EA8F-46C1-B891-AE0C00D9C314}" type="datetime1">
               <a:rPr lang="en-US" smtClean="0"/>
-              <a:t>5/26/25</a:t>
+              <a:t>7/6/25</a:t>
             </a:fld>
             <a:endParaRPr lang="en-US"/>
           </a:p>
@@ -4095,7 +4095,7 @@
           <a:p>
             <a:fld id="{D753EFC8-4232-4598-94F6-94C0EBAFC469}" type="datetime1">
               <a:rPr lang="en-US" smtClean="0"/>
-              <a:t>5/26/25</a:t>
+              <a:t>7/6/25</a:t>
             </a:fld>
             <a:endParaRPr lang="en-US"/>
           </a:p>
@@ -4410,7 +4410,7 @@
           <a:p>
             <a:fld id="{F3161074-1C18-4AE7-957D-F18524378C85}" type="datetime1">
               <a:rPr lang="en-US" smtClean="0"/>
-              <a:t>5/26/25</a:t>
+              <a:t>7/6/25</a:t>
             </a:fld>
             <a:endParaRPr lang="en-US"/>
           </a:p>
@@ -4684,7 +4684,7 @@
           <a:p>
             <a:fld id="{69BE256C-8D9A-4404-B47D-41A1AE514425}" type="datetime1">
               <a:rPr lang="en-US" smtClean="0"/>
-              <a:t>5/26/25</a:t>
+              <a:t>7/6/25</a:t>
             </a:fld>
             <a:endParaRPr lang="en-US"/>
           </a:p>
@@ -5118,7 +5118,7 @@
           <a:p>
             <a:fld id="{66CB2154-9035-4012-8189-BAAB61C5A5EE}" type="datetime1">
               <a:rPr lang="en-US" smtClean="0"/>
-              <a:t>5/26/25</a:t>
+              <a:t>7/6/25</a:t>
             </a:fld>
             <a:endParaRPr lang="en-US"/>
           </a:p>
@@ -5292,7 +5292,7 @@
           <a:p>
             <a:fld id="{6700A58B-DD98-43D0-B791-721480A02982}" type="datetime1">
               <a:rPr lang="en-US" smtClean="0"/>
-              <a:t>5/26/25</a:t>
+              <a:t>7/6/25</a:t>
             </a:fld>
             <a:endParaRPr lang="en-US"/>
           </a:p>
@@ -5484,7 +5484,7 @@
           <a:p>
             <a:fld id="{7DB6E382-4F61-4E24-BE1A-377EC83D0E3A}" type="datetime1">
               <a:rPr lang="en-US" smtClean="0"/>
-              <a:t>5/26/25</a:t>
+              <a:t>7/6/25</a:t>
             </a:fld>
             <a:endParaRPr lang="en-US"/>
           </a:p>
@@ -5795,7 +5795,7 @@
           <a:p>
             <a:fld id="{4142EED6-FC16-45B9-B8C4-2BC5DBA88325}" type="datetime1">
               <a:rPr lang="en-US" smtClean="0"/>
-              <a:t>5/26/25</a:t>
+              <a:t>7/6/25</a:t>
             </a:fld>
             <a:endParaRPr lang="en-US"/>
           </a:p>
@@ -6113,7 +6113,7 @@
           <a:p>
             <a:fld id="{DF59512B-4F1D-43D7-8819-2F53FEF69650}" type="datetime1">
               <a:rPr lang="en-US" smtClean="0"/>
-              <a:t>5/26/25</a:t>
+              <a:t>7/6/25</a:t>
             </a:fld>
             <a:endParaRPr lang="en-US"/>
           </a:p>
@@ -6389,7 +6389,7 @@
           <a:p>
             <a:fld id="{08437B94-E2BF-44DC-ADC5-B05FC9934E9D}" type="datetime1">
               <a:rPr lang="en-US" smtClean="0"/>
-              <a:t>5/26/25</a:t>
+              <a:t>7/6/25</a:t>
             </a:fld>
             <a:endParaRPr lang="en-US"/>
           </a:p>
@@ -7298,7 +7298,7 @@
           <a:p>
             <a:fld id="{9B19E99B-5349-415A-8E56-8E989211A366}" type="datetime1">
               <a:rPr lang="en-US" smtClean="0"/>
-              <a:t>5/26/25</a:t>
+              <a:t>7/6/25</a:t>
             </a:fld>
             <a:endParaRPr lang="en-US"/>
           </a:p>
@@ -7407,7 +7407,7 @@
           <a:p>
             <a:fld id="{6700A58B-DD98-43D0-B791-721480A02982}" type="datetime1">
               <a:rPr lang="en-US" smtClean="0"/>
-              <a:t>5/26/25</a:t>
+              <a:t>7/6/25</a:t>
             </a:fld>
             <a:endParaRPr lang="en-US"/>
           </a:p>
@@ -7701,7 +7701,7 @@
           <a:p>
             <a:fld id="{6700A58B-DD98-43D0-B791-721480A02982}" type="datetime1">
               <a:rPr lang="en-US" smtClean="0"/>
-              <a:t>5/26/25</a:t>
+              <a:t>7/6/25</a:t>
             </a:fld>
             <a:endParaRPr lang="en-US"/>
           </a:p>
@@ -8033,7 +8033,7 @@
           <a:p>
             <a:fld id="{6700A58B-DD98-43D0-B791-721480A02982}" type="datetime1">
               <a:rPr lang="en-US" smtClean="0"/>
-              <a:t>5/26/25</a:t>
+              <a:t>7/6/25</a:t>
             </a:fld>
             <a:endParaRPr lang="en-US"/>
           </a:p>
@@ -8279,7 +8279,7 @@
           <a:p>
             <a:fld id="{6700A58B-DD98-43D0-B791-721480A02982}" type="datetime1">
               <a:rPr lang="en-US" smtClean="0"/>
-              <a:t>5/26/25</a:t>
+              <a:t>7/6/25</a:t>
             </a:fld>
             <a:endParaRPr lang="en-US"/>
           </a:p>
@@ -8564,7 +8564,7 @@
           <a:p>
             <a:fld id="{6700A58B-DD98-43D0-B791-721480A02982}" type="datetime1">
               <a:rPr lang="en-US" smtClean="0"/>
-              <a:t>5/26/25</a:t>
+              <a:t>7/6/25</a:t>
             </a:fld>
             <a:endParaRPr lang="en-US"/>
           </a:p>
@@ -8843,7 +8843,7 @@
           <a:p>
             <a:fld id="{6700A58B-DD98-43D0-B791-721480A02982}" type="datetime1">
               <a:rPr lang="en-US" smtClean="0"/>
-              <a:t>5/26/25</a:t>
+              <a:t>7/6/25</a:t>
             </a:fld>
             <a:endParaRPr lang="en-US"/>
           </a:p>
@@ -9120,7 +9120,7 @@
           <a:p>
             <a:fld id="{6700A58B-DD98-43D0-B791-721480A02982}" type="datetime1">
               <a:rPr lang="en-US" smtClean="0"/>
-              <a:t>5/26/25</a:t>
+              <a:t>7/6/25</a:t>
             </a:fld>
             <a:endParaRPr lang="en-US"/>
           </a:p>
@@ -9455,7 +9455,7 @@
           <a:p>
             <a:fld id="{6700A58B-DD98-43D0-B791-721480A02982}" type="datetime1">
               <a:rPr lang="en-US" smtClean="0"/>
-              <a:t>5/26/25</a:t>
+              <a:t>7/6/25</a:t>
             </a:fld>
             <a:endParaRPr lang="en-US"/>
           </a:p>
@@ -9479,8 +9479,8 @@
         </p:nvSpPr>
         <p:spPr>
           <a:xfrm>
-            <a:off x="223935" y="136524"/>
-            <a:ext cx="8291415" cy="591477"/>
+            <a:off x="177282" y="147945"/>
+            <a:ext cx="8780454" cy="591477"/>
           </a:xfrm>
         </p:spPr>
         <p:txBody>
@@ -9489,7 +9489,7 @@
           <a:p>
             <a:r>
               <a:rPr lang="en-US" dirty="0"/>
-              <a:t>My framework, learned from 15yrs in the space, but not exhaustive </a:t>
+              <a:t>My framework, learned from 15+yrs in the space, but not exhaustive </a:t>
             </a:r>
             <a:r>
               <a:rPr lang="en-US" i="1" dirty="0"/>
@@ -10127,7 +10127,7 @@
           <a:p>
             <a:r>
               <a:rPr lang="en-US" sz="1000" dirty="0"/>
-              <a:t>Why are some SKUs strong (price, seasonality </a:t>
+              <a:t>Why are some SKUs selling well (price, seasonality </a:t>
             </a:r>
             <a:r>
               <a:rPr lang="en-US" sz="1000" dirty="0" err="1"/>
@@ -10240,23 +10240,7 @@
           <a:p>
             <a:r>
               <a:rPr lang="en-US" sz="1000" dirty="0"/>
-              <a:t>Can we optimize costs, </a:t>
-            </a:r>
-            <a:r>
-              <a:rPr lang="en-US" sz="1000" dirty="0" err="1"/>
-              <a:t>ie</a:t>
-            </a:r>
-            <a:r>
-              <a:rPr lang="en-US" sz="1000" dirty="0"/>
-              <a:t> predicant raw material prices </a:t>
-            </a:r>
-            <a:r>
-              <a:rPr lang="en-US" sz="1000" dirty="0" err="1"/>
-              <a:t>etc</a:t>
-            </a:r>
-            <a:r>
-              <a:rPr lang="en-US" sz="1000" dirty="0"/>
-              <a:t>?</a:t>
+              <a:t>Can we optimize costs, i.e. predict raw material prices etc.?</a:t>
             </a:r>
           </a:p>
         </p:txBody>
@@ -10497,7 +10481,7 @@
           <a:p>
             <a:fld id="{6700A58B-DD98-43D0-B791-721480A02982}" type="datetime1">
               <a:rPr lang="en-US" smtClean="0"/>
-              <a:t>5/26/25</a:t>
+              <a:t>7/6/25</a:t>
             </a:fld>
             <a:endParaRPr lang="en-US"/>
           </a:p>
@@ -11221,7 +11205,7 @@
           <a:p>
             <a:fld id="{6700A58B-DD98-43D0-B791-721480A02982}" type="datetime1">
               <a:rPr lang="en-US" smtClean="0"/>
-              <a:t>5/26/25</a:t>
+              <a:t>7/6/25</a:t>
             </a:fld>
             <a:endParaRPr lang="en-US"/>
           </a:p>
@@ -11520,7 +11504,7 @@
           <a:p>
             <a:fld id="{6700A58B-DD98-43D0-B791-721480A02982}" type="datetime1">
               <a:rPr lang="en-US" smtClean="0"/>
-              <a:t>5/26/25</a:t>
+              <a:t>7/6/25</a:t>
             </a:fld>
             <a:endParaRPr lang="en-US"/>
           </a:p>
@@ -11808,7 +11792,7 @@
           <a:p>
             <a:fld id="{6700A58B-DD98-43D0-B791-721480A02982}" type="datetime1">
               <a:rPr lang="en-US" smtClean="0"/>
-              <a:t>5/26/25</a:t>
+              <a:t>7/6/25</a:t>
             </a:fld>
             <a:endParaRPr lang="en-US"/>
           </a:p>
@@ -12180,7 +12164,7 @@
           <a:p>
             <a:fld id="{6700A58B-DD98-43D0-B791-721480A02982}" type="datetime1">
               <a:rPr lang="en-US" smtClean="0"/>
-              <a:t>5/26/25</a:t>
+              <a:t>7/6/25</a:t>
             </a:fld>
             <a:endParaRPr lang="en-US"/>
           </a:p>
@@ -12552,7 +12536,7 @@
           <a:p>
             <a:fld id="{6700A58B-DD98-43D0-B791-721480A02982}" type="datetime1">
               <a:rPr lang="en-US" smtClean="0"/>
-              <a:t>5/26/25</a:t>
+              <a:t>7/6/25</a:t>
             </a:fld>
             <a:endParaRPr lang="en-US"/>
           </a:p>
@@ -12956,7 +12940,7 @@
           <a:p>
             <a:fld id="{6700A58B-DD98-43D0-B791-721480A02982}" type="datetime1">
               <a:rPr lang="en-US" smtClean="0"/>
-              <a:t>5/26/25</a:t>
+              <a:t>7/6/25</a:t>
             </a:fld>
             <a:endParaRPr lang="en-US"/>
           </a:p>
@@ -14467,7 +14451,7 @@
           <a:p>
             <a:fld id="{6700A58B-DD98-43D0-B791-721480A02982}" type="datetime1">
               <a:rPr lang="en-US" smtClean="0"/>
-              <a:t>5/26/25</a:t>
+              <a:t>7/6/25</a:t>
             </a:fld>
             <a:endParaRPr lang="en-US"/>
           </a:p>
@@ -14879,7 +14863,7 @@
           <a:p>
             <a:fld id="{6700A58B-DD98-43D0-B791-721480A02982}" type="datetime1">
               <a:rPr lang="en-US" smtClean="0"/>
-              <a:t>5/26/25</a:t>
+              <a:t>7/6/25</a:t>
             </a:fld>
             <a:endParaRPr lang="en-US"/>
           </a:p>
@@ -15315,7 +15299,7 @@
           <a:p>
             <a:fld id="{6700A58B-DD98-43D0-B791-721480A02982}" type="datetime1">
               <a:rPr lang="en-US" smtClean="0"/>
-              <a:t>5/26/25</a:t>
+              <a:t>7/6/25</a:t>
             </a:fld>
             <a:endParaRPr lang="en-US"/>
           </a:p>
@@ -15707,7 +15691,7 @@
           <a:p>
             <a:fld id="{6700A58B-DD98-43D0-B791-721480A02982}" type="datetime1">
               <a:rPr lang="en-US" smtClean="0"/>
-              <a:t>5/26/25</a:t>
+              <a:t>7/6/25</a:t>
             </a:fld>
             <a:endParaRPr lang="en-US"/>
           </a:p>
@@ -16095,7 +16079,7 @@
           <a:p>
             <a:fld id="{6700A58B-DD98-43D0-B791-721480A02982}" type="datetime1">
               <a:rPr lang="en-US" smtClean="0"/>
-              <a:t>5/26/25</a:t>
+              <a:t>7/6/25</a:t>
             </a:fld>
             <a:endParaRPr lang="en-US"/>
           </a:p>
@@ -16518,7 +16502,7 @@
           <a:p>
             <a:fld id="{D753EFC8-4232-4598-94F6-94C0EBAFC469}" type="datetime1">
               <a:rPr lang="en-US" smtClean="0"/>
-              <a:t>5/26/25</a:t>
+              <a:t>7/6/25</a:t>
             </a:fld>
             <a:endParaRPr lang="en-US"/>
           </a:p>
@@ -18363,7 +18347,7 @@
           <a:p>
             <a:fld id="{6700A58B-DD98-43D0-B791-721480A02982}" type="datetime1">
               <a:rPr lang="en-US" smtClean="0"/>
-              <a:t>5/26/25</a:t>
+              <a:t>7/6/25</a:t>
             </a:fld>
             <a:endParaRPr lang="en-US"/>
           </a:p>
@@ -18756,7 +18740,7 @@
           <a:p>
             <a:fld id="{6700A58B-DD98-43D0-B791-721480A02982}" type="datetime1">
               <a:rPr lang="en-US" smtClean="0"/>
-              <a:t>5/26/25</a:t>
+              <a:t>7/6/25</a:t>
             </a:fld>
             <a:endParaRPr lang="en-US"/>
           </a:p>
@@ -19144,7 +19128,7 @@
           <a:p>
             <a:fld id="{6700A58B-DD98-43D0-B791-721480A02982}" type="datetime1">
               <a:rPr lang="en-US" smtClean="0"/>
-              <a:t>5/26/25</a:t>
+              <a:t>7/6/25</a:t>
             </a:fld>
             <a:endParaRPr lang="en-US"/>
           </a:p>
@@ -19726,7 +19710,7 @@
           <a:p>
             <a:fld id="{6700A58B-DD98-43D0-B791-721480A02982}" type="datetime1">
               <a:rPr lang="en-US" smtClean="0"/>
-              <a:t>5/26/25</a:t>
+              <a:t>7/6/25</a:t>
             </a:fld>
             <a:endParaRPr lang="en-US"/>
           </a:p>
@@ -20302,7 +20286,7 @@
           <a:p>
             <a:fld id="{6700A58B-DD98-43D0-B791-721480A02982}" type="datetime1">
               <a:rPr lang="en-US" smtClean="0"/>
-              <a:t>5/26/25</a:t>
+              <a:t>7/6/25</a:t>
             </a:fld>
             <a:endParaRPr lang="en-US"/>
           </a:p>
@@ -20878,7 +20862,7 @@
           <a:p>
             <a:fld id="{6700A58B-DD98-43D0-B791-721480A02982}" type="datetime1">
               <a:rPr lang="en-US" smtClean="0"/>
-              <a:t>5/26/25</a:t>
+              <a:t>7/6/25</a:t>
             </a:fld>
             <a:endParaRPr lang="en-US"/>
           </a:p>
@@ -21443,7 +21427,7 @@
           <a:p>
             <a:fld id="{6700A58B-DD98-43D0-B791-721480A02982}" type="datetime1">
               <a:rPr lang="en-US" smtClean="0"/>
-              <a:t>5/26/25</a:t>
+              <a:t>7/6/25</a:t>
             </a:fld>
             <a:endParaRPr lang="en-US"/>
           </a:p>
@@ -22027,7 +22011,7 @@
           <a:p>
             <a:fld id="{6700A58B-DD98-43D0-B791-721480A02982}" type="datetime1">
               <a:rPr lang="en-US" smtClean="0"/>
-              <a:t>5/26/25</a:t>
+              <a:t>7/6/25</a:t>
             </a:fld>
             <a:endParaRPr lang="en-US"/>
           </a:p>
@@ -22603,7 +22587,7 @@
           <a:p>
             <a:fld id="{6700A58B-DD98-43D0-B791-721480A02982}" type="datetime1">
               <a:rPr lang="en-US" smtClean="0"/>
-              <a:t>5/26/25</a:t>
+              <a:t>7/6/25</a:t>
             </a:fld>
             <a:endParaRPr lang="en-US"/>
           </a:p>
@@ -23179,7 +23163,7 @@
           <a:p>
             <a:fld id="{6700A58B-DD98-43D0-B791-721480A02982}" type="datetime1">
               <a:rPr lang="en-US" smtClean="0"/>
-              <a:t>5/26/25</a:t>
+              <a:t>7/6/25</a:t>
             </a:fld>
             <a:endParaRPr lang="en-US"/>
           </a:p>
@@ -24592,7 +24576,7 @@
           <a:p>
             <a:fld id="{9B19E99B-5349-415A-8E56-8E989211A366}" type="datetime1">
               <a:rPr lang="en-US" smtClean="0"/>
-              <a:t>5/26/25</a:t>
+              <a:t>7/6/25</a:t>
             </a:fld>
             <a:endParaRPr lang="en-US"/>
           </a:p>
@@ -24701,7 +24685,7 @@
           <a:p>
             <a:fld id="{6700A58B-DD98-43D0-B791-721480A02982}" type="datetime1">
               <a:rPr lang="en-US" smtClean="0"/>
-              <a:t>5/26/25</a:t>
+              <a:t>7/6/25</a:t>
             </a:fld>
             <a:endParaRPr lang="en-US"/>
           </a:p>
@@ -25008,7 +24992,34 @@
                   <a:sysClr val="windowText" lastClr="000000"/>
                 </a:solidFill>
               </a:rPr>
-              <a:t>Available data for exploration, explanation or prediction purposes.</a:t>
+              <a:t>Available data for exploration, explanation or prediction purposes…</a:t>
+            </a:r>
+          </a:p>
+          <a:p>
+            <a:pPr algn="ctr"/>
+            <a:r>
+              <a:rPr lang="en-US" sz="1200" i="1" dirty="0">
+                <a:solidFill>
+                  <a:sysClr val="windowText" lastClr="000000"/>
+                </a:solidFill>
+              </a:rPr>
+              <a:t>*</a:t>
+            </a:r>
+            <a:r>
+              <a:rPr lang="en-US" sz="1200" i="1" dirty="0" err="1">
+                <a:solidFill>
+                  <a:sysClr val="windowText" lastClr="000000"/>
+                </a:solidFill>
+              </a:rPr>
+              <a:t>genAI</a:t>
+            </a:r>
+            <a:r>
+              <a:rPr lang="en-US" sz="1200" i="1" dirty="0">
+                <a:solidFill>
+                  <a:sysClr val="windowText" lastClr="000000"/>
+                </a:solidFill>
+              </a:rPr>
+              <a:t> represents the creation of new content from historical results</a:t>
             </a:r>
           </a:p>
         </p:txBody>
@@ -25240,7 +25251,7 @@
           <a:p>
             <a:fld id="{6700A58B-DD98-43D0-B791-721480A02982}" type="datetime1">
               <a:rPr lang="en-US" smtClean="0"/>
-              <a:t>5/26/25</a:t>
+              <a:t>7/6/25</a:t>
             </a:fld>
             <a:endParaRPr lang="en-US"/>
           </a:p>
@@ -25611,7 +25622,7 @@
           <a:p>
             <a:fld id="{6700A58B-DD98-43D0-B791-721480A02982}" type="datetime1">
               <a:rPr lang="en-US" smtClean="0"/>
-              <a:t>5/26/25</a:t>
+              <a:t>7/6/25</a:t>
             </a:fld>
             <a:endParaRPr lang="en-US"/>
           </a:p>
@@ -26245,7 +26256,7 @@
           <a:p>
             <a:fld id="{6700A58B-DD98-43D0-B791-721480A02982}" type="datetime1">
               <a:rPr lang="en-US" smtClean="0"/>
-              <a:t>5/26/25</a:t>
+              <a:t>7/6/25</a:t>
             </a:fld>
             <a:endParaRPr lang="en-US"/>
           </a:p>
@@ -26895,7 +26906,7 @@
           <a:p>
             <a:fld id="{6700A58B-DD98-43D0-B791-721480A02982}" type="datetime1">
               <a:rPr lang="en-US" smtClean="0"/>
-              <a:t>5/26/25</a:t>
+              <a:t>7/6/25</a:t>
             </a:fld>
             <a:endParaRPr lang="en-US"/>
           </a:p>
@@ -27443,7 +27454,7 @@
           <a:p>
             <a:fld id="{6700A58B-DD98-43D0-B791-721480A02982}" type="datetime1">
               <a:rPr lang="en-US" smtClean="0"/>
-              <a:t>5/26/25</a:t>
+              <a:t>7/6/25</a:t>
             </a:fld>
             <a:endParaRPr lang="en-US"/>
           </a:p>
@@ -27697,7 +27708,7 @@
           <a:p>
             <a:fld id="{6700A58B-DD98-43D0-B791-721480A02982}" type="datetime1">
               <a:rPr lang="en-US" smtClean="0"/>
-              <a:t>5/26/25</a:t>
+              <a:t>7/6/25</a:t>
             </a:fld>
             <a:endParaRPr lang="en-US"/>
           </a:p>
